--- a/MOVIE_BUDDY_PRESY.pptx
+++ b/MOVIE_BUDDY_PRESY.pptx
@@ -113,6 +113,11 @@
       </a:defRPr>
     </a:lvl9pPr>
   </p:defaultTextStyle>
+  <p:extLst>
+    <p:ext uri="{EFAFB233-063F-42B5-8137-9DF3F51BA10A}">
+      <p15:sldGuideLst xmlns:p15="http://schemas.microsoft.com/office/powerpoint/2012/main"/>
+    </p:ext>
+  </p:extLst>
 </p:presentation>
 </file>
 
@@ -265,7 +270,7 @@
           <a:p>
             <a:fld id="{89DA67F7-DAE8-4D5C-A4DA-45181A5B2142}" type="datetimeFigureOut">
               <a:rPr lang="en-CA" smtClean="0"/>
-              <a:t>2023-03-22</a:t>
+              <a:t>2023-03-23</a:t>
             </a:fld>
             <a:endParaRPr lang="en-CA"/>
           </a:p>
@@ -465,7 +470,7 @@
           <a:p>
             <a:fld id="{89DA67F7-DAE8-4D5C-A4DA-45181A5B2142}" type="datetimeFigureOut">
               <a:rPr lang="en-CA" smtClean="0"/>
-              <a:t>2023-03-22</a:t>
+              <a:t>2023-03-23</a:t>
             </a:fld>
             <a:endParaRPr lang="en-CA"/>
           </a:p>
@@ -675,7 +680,7 @@
           <a:p>
             <a:fld id="{89DA67F7-DAE8-4D5C-A4DA-45181A5B2142}" type="datetimeFigureOut">
               <a:rPr lang="en-CA" smtClean="0"/>
-              <a:t>2023-03-22</a:t>
+              <a:t>2023-03-23</a:t>
             </a:fld>
             <a:endParaRPr lang="en-CA"/>
           </a:p>
@@ -875,7 +880,7 @@
           <a:p>
             <a:fld id="{89DA67F7-DAE8-4D5C-A4DA-45181A5B2142}" type="datetimeFigureOut">
               <a:rPr lang="en-CA" smtClean="0"/>
-              <a:t>2023-03-22</a:t>
+              <a:t>2023-03-23</a:t>
             </a:fld>
             <a:endParaRPr lang="en-CA"/>
           </a:p>
@@ -1151,7 +1156,7 @@
           <a:p>
             <a:fld id="{89DA67F7-DAE8-4D5C-A4DA-45181A5B2142}" type="datetimeFigureOut">
               <a:rPr lang="en-CA" smtClean="0"/>
-              <a:t>2023-03-22</a:t>
+              <a:t>2023-03-23</a:t>
             </a:fld>
             <a:endParaRPr lang="en-CA"/>
           </a:p>
@@ -1419,7 +1424,7 @@
           <a:p>
             <a:fld id="{89DA67F7-DAE8-4D5C-A4DA-45181A5B2142}" type="datetimeFigureOut">
               <a:rPr lang="en-CA" smtClean="0"/>
-              <a:t>2023-03-22</a:t>
+              <a:t>2023-03-23</a:t>
             </a:fld>
             <a:endParaRPr lang="en-CA"/>
           </a:p>
@@ -1834,7 +1839,7 @@
           <a:p>
             <a:fld id="{89DA67F7-DAE8-4D5C-A4DA-45181A5B2142}" type="datetimeFigureOut">
               <a:rPr lang="en-CA" smtClean="0"/>
-              <a:t>2023-03-22</a:t>
+              <a:t>2023-03-23</a:t>
             </a:fld>
             <a:endParaRPr lang="en-CA"/>
           </a:p>
@@ -1976,7 +1981,7 @@
           <a:p>
             <a:fld id="{89DA67F7-DAE8-4D5C-A4DA-45181A5B2142}" type="datetimeFigureOut">
               <a:rPr lang="en-CA" smtClean="0"/>
-              <a:t>2023-03-22</a:t>
+              <a:t>2023-03-23</a:t>
             </a:fld>
             <a:endParaRPr lang="en-CA"/>
           </a:p>
@@ -2089,7 +2094,7 @@
           <a:p>
             <a:fld id="{89DA67F7-DAE8-4D5C-A4DA-45181A5B2142}" type="datetimeFigureOut">
               <a:rPr lang="en-CA" smtClean="0"/>
-              <a:t>2023-03-22</a:t>
+              <a:t>2023-03-23</a:t>
             </a:fld>
             <a:endParaRPr lang="en-CA"/>
           </a:p>
@@ -2402,7 +2407,7 @@
           <a:p>
             <a:fld id="{89DA67F7-DAE8-4D5C-A4DA-45181A5B2142}" type="datetimeFigureOut">
               <a:rPr lang="en-CA" smtClean="0"/>
-              <a:t>2023-03-22</a:t>
+              <a:t>2023-03-23</a:t>
             </a:fld>
             <a:endParaRPr lang="en-CA"/>
           </a:p>
@@ -2691,7 +2696,7 @@
           <a:p>
             <a:fld id="{89DA67F7-DAE8-4D5C-A4DA-45181A5B2142}" type="datetimeFigureOut">
               <a:rPr lang="en-CA" smtClean="0"/>
-              <a:t>2023-03-22</a:t>
+              <a:t>2023-03-23</a:t>
             </a:fld>
             <a:endParaRPr lang="en-CA"/>
           </a:p>
@@ -2934,7 +2939,7 @@
           <a:p>
             <a:fld id="{89DA67F7-DAE8-4D5C-A4DA-45181A5B2142}" type="datetimeFigureOut">
               <a:rPr lang="en-CA" smtClean="0"/>
-              <a:t>2023-03-22</a:t>
+              <a:t>2023-03-23</a:t>
             </a:fld>
             <a:endParaRPr lang="en-CA"/>
           </a:p>
@@ -3369,7 +3374,7 @@
         </p:nvSpPr>
         <p:spPr>
           <a:xfrm>
-            <a:off x="1231186" y="1335640"/>
+            <a:off x="1231186" y="1326586"/>
             <a:ext cx="9144000" cy="977384"/>
           </a:xfrm>
         </p:spPr>
@@ -3402,38 +3407,43 @@
         </p:nvSpPr>
         <p:spPr>
           <a:xfrm>
-            <a:off x="1524000" y="3309224"/>
-            <a:ext cx="9144000" cy="2922052"/>
+            <a:off x="8769793" y="3429000"/>
+            <a:ext cx="3042050" cy="2922052"/>
           </a:xfrm>
         </p:spPr>
         <p:txBody>
           <a:bodyPr/>
           <a:lstStyle/>
           <a:p>
+            <a:pPr algn="l"/>
             <a:r>
               <a:rPr lang="en-CA" dirty="0"/>
               <a:t>By: Group 2</a:t>
             </a:r>
           </a:p>
           <a:p>
+            <a:pPr algn="l"/>
             <a:r>
               <a:rPr lang="en-CA" dirty="0"/>
               <a:t>Aakshay (AK) Gautam</a:t>
             </a:r>
           </a:p>
           <a:p>
+            <a:pPr algn="l"/>
             <a:r>
               <a:rPr lang="en-CA" dirty="0"/>
               <a:t>Avneet Singh</a:t>
             </a:r>
           </a:p>
           <a:p>
+            <a:pPr algn="l"/>
             <a:r>
               <a:rPr lang="en-CA" dirty="0"/>
               <a:t>Beni Shankar De</a:t>
             </a:r>
           </a:p>
           <a:p>
+            <a:pPr algn="l"/>
             <a:r>
               <a:rPr lang="en-CA" dirty="0" err="1"/>
               <a:t>Juil</a:t>
@@ -3444,6 +3454,7 @@
             </a:r>
           </a:p>
           <a:p>
+            <a:pPr algn="l"/>
             <a:r>
               <a:rPr lang="en-CA" dirty="0"/>
               <a:t>Tarun </a:t>
@@ -3456,6 +3467,41 @@
           </a:p>
           <a:p>
             <a:endParaRPr lang="en-CA" dirty="0"/>
+          </a:p>
+        </p:txBody>
+      </p:sp>
+      <p:sp>
+        <p:nvSpPr>
+          <p:cNvPr id="4" name="TextBox 3">
+            <a:extLst>
+              <a:ext uri="{FF2B5EF4-FFF2-40B4-BE49-F238E27FC236}">
+                <a16:creationId xmlns:a16="http://schemas.microsoft.com/office/drawing/2014/main" id="{4437C942-F09D-DA5C-D112-14296D257A79}"/>
+              </a:ext>
+            </a:extLst>
+          </p:cNvPr>
+          <p:cNvSpPr txBox="1"/>
+          <p:nvPr/>
+        </p:nvSpPr>
+        <p:spPr>
+          <a:xfrm>
+            <a:off x="1041062" y="5346748"/>
+            <a:ext cx="2381147" cy="369332"/>
+          </a:xfrm>
+          <a:prstGeom prst="rect">
+            <a:avLst/>
+          </a:prstGeom>
+          <a:noFill/>
+        </p:spPr>
+        <p:txBody>
+          <a:bodyPr wrap="square" rtlCol="0">
+            <a:spAutoFit/>
+          </a:bodyPr>
+          <a:lstStyle/>
+          <a:p>
+            <a:r>
+              <a:rPr lang="en-CA" dirty="0"/>
+              <a:t>23-March-2023</a:t>
+            </a:r>
           </a:p>
         </p:txBody>
       </p:sp>
@@ -3637,7 +3683,12 @@
             <p:ph idx="1"/>
           </p:nvPr>
         </p:nvSpPr>
-        <p:spPr/>
+        <p:spPr>
+          <a:xfrm>
+            <a:off x="838200" y="1535914"/>
+            <a:ext cx="10515600" cy="3497813"/>
+          </a:xfrm>
+        </p:spPr>
         <p:txBody>
           <a:bodyPr>
             <a:normAutofit/>
@@ -4807,7 +4858,7 @@
         </p:nvSpPr>
         <p:spPr>
           <a:xfrm>
-            <a:off x="420499" y="2278825"/>
+            <a:off x="461161" y="1562162"/>
             <a:ext cx="6179050" cy="3870258"/>
           </a:xfrm>
         </p:spPr>
@@ -4884,8 +4935,8 @@
         </p:blipFill>
         <p:spPr>
           <a:xfrm>
-            <a:off x="7669153" y="923467"/>
-            <a:ext cx="3164947" cy="2618993"/>
+            <a:off x="7236312" y="923467"/>
+            <a:ext cx="4174466" cy="2658850"/>
           </a:xfrm>
           <a:prstGeom prst="rect">
             <a:avLst/>
@@ -4914,8 +4965,8 @@
         </p:blipFill>
         <p:spPr>
           <a:xfrm>
-            <a:off x="7236312" y="4055616"/>
-            <a:ext cx="4174466" cy="2481300"/>
+            <a:off x="7236312" y="3878066"/>
+            <a:ext cx="4174466" cy="2658850"/>
           </a:xfrm>
           <a:prstGeom prst="rect">
             <a:avLst/>
@@ -5486,8 +5537,8 @@
         </p:blipFill>
         <p:spPr>
           <a:xfrm>
-            <a:off x="531989" y="1066709"/>
-            <a:ext cx="4631544" cy="2477876"/>
+            <a:off x="324603" y="3547269"/>
+            <a:ext cx="4739214" cy="2535479"/>
           </a:xfrm>
           <a:prstGeom prst="rect">
             <a:avLst/>
@@ -5516,8 +5567,8 @@
         </p:blipFill>
         <p:spPr>
           <a:xfrm>
-            <a:off x="599264" y="4190185"/>
-            <a:ext cx="3988639" cy="2074092"/>
+            <a:off x="324603" y="984901"/>
+            <a:ext cx="4739215" cy="2464391"/>
           </a:xfrm>
           <a:prstGeom prst="rect">
             <a:avLst/>
@@ -5542,7 +5593,7 @@
         </p:nvSpPr>
         <p:spPr>
           <a:xfrm>
-            <a:off x="5655923" y="1526694"/>
+            <a:off x="5655924" y="1262303"/>
             <a:ext cx="6235077" cy="5130960"/>
           </a:xfrm>
         </p:spPr>
@@ -5729,7 +5780,7 @@
         <p:spPr>
           <a:xfrm>
             <a:off x="904126" y="1392540"/>
-            <a:ext cx="10716802" cy="2285609"/>
+            <a:ext cx="10716802" cy="897987"/>
           </a:xfrm>
         </p:spPr>
         <p:txBody>
@@ -5737,12 +5788,6 @@
             <a:noAutofit/>
           </a:bodyPr>
           <a:lstStyle/>
-          <a:p>
-            <a:pPr marL="0" indent="0">
-              <a:buNone/>
-            </a:pPr>
-            <a:endParaRPr lang="en-CA" sz="1800" dirty="0"/>
-          </a:p>
           <a:p>
             <a:r>
               <a:rPr lang="en-CA" sz="1800" dirty="0"/>
@@ -5779,7 +5824,7 @@
         </p:blipFill>
         <p:spPr>
           <a:xfrm>
-            <a:off x="1808252" y="2635585"/>
+            <a:off x="993440" y="2290527"/>
             <a:ext cx="8044665" cy="3847144"/>
           </a:xfrm>
           <a:prstGeom prst="rect">
@@ -5884,7 +5929,7 @@
         </p:nvSpPr>
         <p:spPr>
           <a:xfrm>
-            <a:off x="956353" y="2385567"/>
+            <a:off x="920139" y="1690688"/>
             <a:ext cx="10515600" cy="3090559"/>
           </a:xfrm>
         </p:spPr>
@@ -5946,11 +5991,18 @@
                 <a:effectLst/>
                 <a:latin typeface="-apple-system"/>
               </a:rPr>
-              <a:t>The above models were used to define a better accuracy of revenue predicted for a movie of a certain budget compared to the true historical revenue.</a:t>
-            </a:r>
-          </a:p>
-          <a:p>
-            <a:pPr algn="l"/>
+              <a:t>The above models were used to define a </a:t>
+            </a:r>
+            <a:r>
+              <a:rPr lang="en-CA" sz="2000" b="1" i="0" dirty="0">
+                <a:solidFill>
+                  <a:srgbClr val="24292F"/>
+                </a:solidFill>
+                <a:effectLst/>
+                <a:latin typeface="-apple-system"/>
+              </a:rPr>
+              <a:t>better accuracy of revenue </a:t>
+            </a:r>
             <a:r>
               <a:rPr lang="en-CA" sz="2000" b="0" i="0" dirty="0">
                 <a:solidFill>
@@ -5959,7 +6011,60 @@
                 <a:effectLst/>
                 <a:latin typeface="-apple-system"/>
               </a:rPr>
-              <a:t>AdaBoost is the first designed boosting algorithm with a particular loss function. On the other hand, Gradient Boosting is a generic algorithm that assists in searching the approximate solutions to the additive modeling problem. This makes Gradient Boosting more flexible than AdaBoost.</a:t>
+              <a:t>predicted for a movie of a certain budget compared to the true historical revenue.</a:t>
+            </a:r>
+          </a:p>
+          <a:p>
+            <a:pPr algn="l"/>
+            <a:r>
+              <a:rPr lang="en-CA" sz="2000" b="0" i="0" dirty="0">
+                <a:solidFill>
+                  <a:srgbClr val="24292F"/>
+                </a:solidFill>
+                <a:effectLst/>
+                <a:latin typeface="-apple-system"/>
+              </a:rPr>
+              <a:t>AdaBoost is the first designed boosting algorithm with a </a:t>
+            </a:r>
+            <a:r>
+              <a:rPr lang="en-CA" sz="2000" b="1" i="0" dirty="0">
+                <a:solidFill>
+                  <a:srgbClr val="24292F"/>
+                </a:solidFill>
+                <a:effectLst/>
+                <a:latin typeface="-apple-system"/>
+              </a:rPr>
+              <a:t>particular loss function</a:t>
+            </a:r>
+            <a:r>
+              <a:rPr lang="en-CA" sz="2000" b="0" i="0" dirty="0">
+                <a:solidFill>
+                  <a:srgbClr val="24292F"/>
+                </a:solidFill>
+                <a:effectLst/>
+                <a:latin typeface="-apple-system"/>
+              </a:rPr>
+              <a:t>. On the other hand, Gradient Boosting is a </a:t>
+            </a:r>
+            <a:r>
+              <a:rPr lang="en-CA" sz="2000" b="1" i="0" dirty="0">
+                <a:solidFill>
+                  <a:srgbClr val="24292F"/>
+                </a:solidFill>
+                <a:effectLst/>
+                <a:latin typeface="-apple-system"/>
+              </a:rPr>
+              <a:t>generic algorithm </a:t>
+            </a:r>
+            <a:r>
+              <a:rPr lang="en-CA" sz="2000" b="0" i="0" dirty="0">
+                <a:solidFill>
+                  <a:srgbClr val="24292F"/>
+                </a:solidFill>
+                <a:effectLst/>
+                <a:latin typeface="-apple-system"/>
+              </a:rPr>
+              <a:t>that assists in searching the approximate solutions to the additive modeling problem. This makes Gradient Boosting more flexible than AdaBoost.</a:t>
             </a:r>
           </a:p>
           <a:p>
@@ -8462,7 +8567,21 @@
                 <a:effectLst/>
                 <a:latin typeface="-apple-system"/>
               </a:rPr>
-              <a:t>Based on the results, it can be observed that the Gradient Boosting Regressor model outperforms the AdaBoost Regressor model in terms of MSE, RMSE, and R2 Score.</a:t>
+              <a:t>Based on the results, it can be observed that the Gradient Boosting Regressor model </a:t>
+            </a:r>
+            <a:r>
+              <a:rPr lang="en-CA" sz="1800" b="1" i="0" dirty="0">
+                <a:effectLst/>
+                <a:latin typeface="-apple-system"/>
+              </a:rPr>
+              <a:t>outperforms the AdaBoost Regressor </a:t>
+            </a:r>
+            <a:r>
+              <a:rPr lang="en-CA" sz="1800" b="0" i="0" dirty="0">
+                <a:effectLst/>
+                <a:latin typeface="-apple-system"/>
+              </a:rPr>
+              <a:t>model in terms of MSE, RMSE, and R2 Score.</a:t>
             </a:r>
           </a:p>
           <a:p>
@@ -8480,7 +8599,21 @@
                 <a:effectLst/>
                 <a:latin typeface="-apple-system"/>
               </a:rPr>
-              <a:t>The R2 Score for the Gradient Boosting Regressor model is also significantly higher than the AdaBoost Regressor model, indicating that the Gradient Boosting Regressor model explains more variance in the data.</a:t>
+              <a:t>The R2 Score for the Gradient Boosting Regressor model is also significantly higher than the AdaBoost Regressor model, indicating that the Gradient Boosting Regressor model explains </a:t>
+            </a:r>
+            <a:r>
+              <a:rPr lang="en-CA" sz="1800" b="1" i="0" dirty="0">
+                <a:effectLst/>
+                <a:latin typeface="-apple-system"/>
+              </a:rPr>
+              <a:t>more variance </a:t>
+            </a:r>
+            <a:r>
+              <a:rPr lang="en-CA" sz="1800" b="0" i="0" dirty="0">
+                <a:effectLst/>
+                <a:latin typeface="-apple-system"/>
+              </a:rPr>
+              <a:t>in the data.</a:t>
             </a:r>
           </a:p>
           <a:p>
